--- a/gls_presentation.pptx
+++ b/gls_presentation.pptx
@@ -13,6 +13,11 @@
     <p:sldId id="261" r:id="rId7"/>
     <p:sldId id="262" r:id="rId8"/>
     <p:sldId id="263" r:id="rId9"/>
+    <p:sldId id="264" r:id="rId10"/>
+    <p:sldId id="265" r:id="rId11"/>
+    <p:sldId id="266" r:id="rId12"/>
+    <p:sldId id="267" r:id="rId13"/>
+    <p:sldId id="268" r:id="rId14"/>
   </p:sldIdLst>
   <p:sldSz cx="12192000" cy="6858000"/>
   <p:notesSz cx="6858000" cy="9144000"/>
@@ -111,7 +116,24 @@
       </a:defRPr>
     </a:lvl9pPr>
   </p:defaultTextStyle>
+  <p:extLst>
+    <p:ext uri="{EFAFB233-063F-42B5-8137-9DF3F51BA10A}">
+      <p15:sldGuideLst xmlns:p15="http://schemas.microsoft.com/office/powerpoint/2012/main"/>
+    </p:ext>
+  </p:extLst>
 </p:presentation>
+</file>
+
+<file path=ppt/commentAuthors.xml><?xml version="1.0" encoding="utf-8"?>
+<p:cmAuthorLst xmlns:a="http://schemas.openxmlformats.org/drawingml/2006/main" xmlns:r="http://schemas.openxmlformats.org/officeDocument/2006/relationships" xmlns:p="http://schemas.openxmlformats.org/presentationml/2006/main">
+  <p:cmAuthor id="1" name="Jacob Weverka" initials="JW" lastIdx="2" clrIdx="0">
+    <p:extLst>
+      <p:ext uri="{19B8F6BF-5375-455C-9EA6-DF929625EA0E}">
+        <p15:presenceInfo xmlns:p15="http://schemas.microsoft.com/office/powerpoint/2012/main" userId="f86394dc9fc65ef8" providerId="Windows Live"/>
+      </p:ext>
+    </p:extLst>
+  </p:cmAuthor>
+</p:cmAuthorLst>
 </file>
 
 <file path=ppt/slideLayouts/slideLayout1.xml><?xml version="1.0" encoding="utf-8"?>
@@ -261,7 +283,7 @@
           <a:p>
             <a:fld id="{3983E532-186C-404F-9DE5-430235C6C07E}" type="datetimeFigureOut">
               <a:rPr lang="en-US" smtClean="0"/>
-              <a:t>8/24/2020</a:t>
+              <a:t>8/25/2020</a:t>
             </a:fld>
             <a:endParaRPr lang="en-US"/>
           </a:p>
@@ -459,7 +481,7 @@
           <a:p>
             <a:fld id="{3983E532-186C-404F-9DE5-430235C6C07E}" type="datetimeFigureOut">
               <a:rPr lang="en-US" smtClean="0"/>
-              <a:t>8/24/2020</a:t>
+              <a:t>8/25/2020</a:t>
             </a:fld>
             <a:endParaRPr lang="en-US"/>
           </a:p>
@@ -667,7 +689,7 @@
           <a:p>
             <a:fld id="{3983E532-186C-404F-9DE5-430235C6C07E}" type="datetimeFigureOut">
               <a:rPr lang="en-US" smtClean="0"/>
-              <a:t>8/24/2020</a:t>
+              <a:t>8/25/2020</a:t>
             </a:fld>
             <a:endParaRPr lang="en-US"/>
           </a:p>
@@ -865,7 +887,7 @@
           <a:p>
             <a:fld id="{3983E532-186C-404F-9DE5-430235C6C07E}" type="datetimeFigureOut">
               <a:rPr lang="en-US" smtClean="0"/>
-              <a:t>8/24/2020</a:t>
+              <a:t>8/25/2020</a:t>
             </a:fld>
             <a:endParaRPr lang="en-US"/>
           </a:p>
@@ -1140,7 +1162,7 @@
           <a:p>
             <a:fld id="{3983E532-186C-404F-9DE5-430235C6C07E}" type="datetimeFigureOut">
               <a:rPr lang="en-US" smtClean="0"/>
-              <a:t>8/24/2020</a:t>
+              <a:t>8/25/2020</a:t>
             </a:fld>
             <a:endParaRPr lang="en-US"/>
           </a:p>
@@ -1405,7 +1427,7 @@
           <a:p>
             <a:fld id="{3983E532-186C-404F-9DE5-430235C6C07E}" type="datetimeFigureOut">
               <a:rPr lang="en-US" smtClean="0"/>
-              <a:t>8/24/2020</a:t>
+              <a:t>8/25/2020</a:t>
             </a:fld>
             <a:endParaRPr lang="en-US"/>
           </a:p>
@@ -1817,7 +1839,7 @@
           <a:p>
             <a:fld id="{3983E532-186C-404F-9DE5-430235C6C07E}" type="datetimeFigureOut">
               <a:rPr lang="en-US" smtClean="0"/>
-              <a:t>8/24/2020</a:t>
+              <a:t>8/25/2020</a:t>
             </a:fld>
             <a:endParaRPr lang="en-US"/>
           </a:p>
@@ -1958,7 +1980,7 @@
           <a:p>
             <a:fld id="{3983E532-186C-404F-9DE5-430235C6C07E}" type="datetimeFigureOut">
               <a:rPr lang="en-US" smtClean="0"/>
-              <a:t>8/24/2020</a:t>
+              <a:t>8/25/2020</a:t>
             </a:fld>
             <a:endParaRPr lang="en-US"/>
           </a:p>
@@ -2071,7 +2093,7 @@
           <a:p>
             <a:fld id="{3983E532-186C-404F-9DE5-430235C6C07E}" type="datetimeFigureOut">
               <a:rPr lang="en-US" smtClean="0"/>
-              <a:t>8/24/2020</a:t>
+              <a:t>8/25/2020</a:t>
             </a:fld>
             <a:endParaRPr lang="en-US"/>
           </a:p>
@@ -2382,7 +2404,7 @@
           <a:p>
             <a:fld id="{3983E532-186C-404F-9DE5-430235C6C07E}" type="datetimeFigureOut">
               <a:rPr lang="en-US" smtClean="0"/>
-              <a:t>8/24/2020</a:t>
+              <a:t>8/25/2020</a:t>
             </a:fld>
             <a:endParaRPr lang="en-US"/>
           </a:p>
@@ -2670,7 +2692,7 @@
           <a:p>
             <a:fld id="{3983E532-186C-404F-9DE5-430235C6C07E}" type="datetimeFigureOut">
               <a:rPr lang="en-US" smtClean="0"/>
-              <a:t>8/24/2020</a:t>
+              <a:t>8/25/2020</a:t>
             </a:fld>
             <a:endParaRPr lang="en-US"/>
           </a:p>
@@ -2911,7 +2933,7 @@
           <a:p>
             <a:fld id="{3983E532-186C-404F-9DE5-430235C6C07E}" type="datetimeFigureOut">
               <a:rPr lang="en-US" smtClean="0"/>
-              <a:t>8/24/2020</a:t>
+              <a:t>8/25/2020</a:t>
             </a:fld>
             <a:endParaRPr lang="en-US"/>
           </a:p>
@@ -3369,6 +3391,984 @@
 </p:sld>
 </file>
 
+<file path=ppt/slides/slide10.xml><?xml version="1.0" encoding="utf-8"?>
+<p:sld xmlns:a="http://schemas.openxmlformats.org/drawingml/2006/main" xmlns:r="http://schemas.openxmlformats.org/officeDocument/2006/relationships" xmlns:p="http://schemas.openxmlformats.org/presentationml/2006/main">
+  <p:cSld>
+    <p:spTree>
+      <p:nvGrpSpPr>
+        <p:cNvPr id="1" name=""/>
+        <p:cNvGrpSpPr/>
+        <p:nvPr/>
+      </p:nvGrpSpPr>
+      <p:grpSpPr>
+        <a:xfrm>
+          <a:off x="0" y="0"/>
+          <a:ext cx="0" cy="0"/>
+          <a:chOff x="0" y="0"/>
+          <a:chExt cx="0" cy="0"/>
+        </a:xfrm>
+      </p:grpSpPr>
+      <p:sp>
+        <p:nvSpPr>
+          <p:cNvPr id="2" name="Title 1">
+            <a:extLst>
+              <a:ext uri="{FF2B5EF4-FFF2-40B4-BE49-F238E27FC236}">
+                <a16:creationId xmlns:a16="http://schemas.microsoft.com/office/drawing/2014/main" id="{02C5B8C9-9CB3-4443-8E72-07116244074B}"/>
+              </a:ext>
+            </a:extLst>
+          </p:cNvPr>
+          <p:cNvSpPr>
+            <a:spLocks noGrp="1"/>
+          </p:cNvSpPr>
+          <p:nvPr>
+            <p:ph type="title"/>
+          </p:nvPr>
+        </p:nvSpPr>
+        <p:spPr/>
+        <p:txBody>
+          <a:bodyPr/>
+          <a:lstStyle/>
+          <a:p>
+            <a:r>
+              <a:rPr lang="en-US" dirty="0"/>
+              <a:t>Using a variogram to identify autocorrelation</a:t>
+            </a:r>
+          </a:p>
+        </p:txBody>
+      </p:sp>
+      <p:sp>
+        <p:nvSpPr>
+          <p:cNvPr id="3" name="Content Placeholder 2">
+            <a:extLst>
+              <a:ext uri="{FF2B5EF4-FFF2-40B4-BE49-F238E27FC236}">
+                <a16:creationId xmlns:a16="http://schemas.microsoft.com/office/drawing/2014/main" id="{6457A419-9A6A-4549-8011-C1B5365A3D79}"/>
+              </a:ext>
+            </a:extLst>
+          </p:cNvPr>
+          <p:cNvSpPr>
+            <a:spLocks noGrp="1"/>
+          </p:cNvSpPr>
+          <p:nvPr>
+            <p:ph idx="1"/>
+          </p:nvPr>
+        </p:nvSpPr>
+        <p:spPr>
+          <a:xfrm>
+            <a:off x="838200" y="1825625"/>
+            <a:ext cx="4928118" cy="4351338"/>
+          </a:xfrm>
+        </p:spPr>
+        <p:txBody>
+          <a:bodyPr/>
+          <a:lstStyle/>
+          <a:p>
+            <a:r>
+              <a:rPr lang="en-US" dirty="0"/>
+              <a:t>Plots variance as a function of distance between sample points</a:t>
+            </a:r>
+          </a:p>
+          <a:p>
+            <a:pPr lvl="1"/>
+            <a:r>
+              <a:rPr lang="en-US" dirty="0"/>
+              <a:t>“nugget” is variance at zero distance</a:t>
+            </a:r>
+          </a:p>
+          <a:p>
+            <a:pPr lvl="1"/>
+            <a:r>
+              <a:rPr lang="en-US" dirty="0"/>
+              <a:t>“sill” is the asymptote value</a:t>
+            </a:r>
+          </a:p>
+          <a:p>
+            <a:pPr lvl="1"/>
+            <a:r>
+              <a:rPr lang="en-US" dirty="0"/>
+              <a:t>“range” is distance where variogram levels</a:t>
+            </a:r>
+          </a:p>
+        </p:txBody>
+      </p:sp>
+      <p:pic>
+        <p:nvPicPr>
+          <p:cNvPr id="4" name="Picture 3">
+            <a:extLst>
+              <a:ext uri="{FF2B5EF4-FFF2-40B4-BE49-F238E27FC236}">
+                <a16:creationId xmlns:a16="http://schemas.microsoft.com/office/drawing/2014/main" id="{A51997A7-B522-43E1-A557-EB6DEAAF1743}"/>
+              </a:ext>
+            </a:extLst>
+          </p:cNvPr>
+          <p:cNvPicPr>
+            <a:picLocks noChangeAspect="1"/>
+          </p:cNvPicPr>
+          <p:nvPr/>
+        </p:nvPicPr>
+        <p:blipFill>
+          <a:blip r:embed="rId2"/>
+          <a:stretch>
+            <a:fillRect/>
+          </a:stretch>
+        </p:blipFill>
+        <p:spPr>
+          <a:xfrm>
+            <a:off x="6590522" y="1530221"/>
+            <a:ext cx="3648853" cy="2327328"/>
+          </a:xfrm>
+          <a:prstGeom prst="rect">
+            <a:avLst/>
+          </a:prstGeom>
+        </p:spPr>
+      </p:pic>
+      <p:sp>
+        <p:nvSpPr>
+          <p:cNvPr id="5" name="TextBox 4">
+            <a:extLst>
+              <a:ext uri="{FF2B5EF4-FFF2-40B4-BE49-F238E27FC236}">
+                <a16:creationId xmlns:a16="http://schemas.microsoft.com/office/drawing/2014/main" id="{FA2AD4D9-BE3C-47AA-AF1F-4A54FEF7A32C}"/>
+              </a:ext>
+            </a:extLst>
+          </p:cNvPr>
+          <p:cNvSpPr txBox="1"/>
+          <p:nvPr/>
+        </p:nvSpPr>
+        <p:spPr>
+          <a:xfrm>
+            <a:off x="10094265" y="1517559"/>
+            <a:ext cx="1114425" cy="369332"/>
+          </a:xfrm>
+          <a:prstGeom prst="rect">
+            <a:avLst/>
+          </a:prstGeom>
+          <a:noFill/>
+        </p:spPr>
+        <p:txBody>
+          <a:bodyPr wrap="square" rtlCol="0">
+            <a:spAutoFit/>
+          </a:bodyPr>
+          <a:lstStyle/>
+          <a:p>
+            <a:r>
+              <a:rPr lang="en-US" dirty="0"/>
+              <a:t>idealized</a:t>
+            </a:r>
+          </a:p>
+        </p:txBody>
+      </p:sp>
+      <p:pic>
+        <p:nvPicPr>
+          <p:cNvPr id="6" name="Picture 5">
+            <a:extLst>
+              <a:ext uri="{FF2B5EF4-FFF2-40B4-BE49-F238E27FC236}">
+                <a16:creationId xmlns:a16="http://schemas.microsoft.com/office/drawing/2014/main" id="{CC8039C7-C32C-43C5-A5D0-178A527F7C98}"/>
+              </a:ext>
+            </a:extLst>
+          </p:cNvPr>
+          <p:cNvPicPr>
+            <a:picLocks noChangeAspect="1"/>
+          </p:cNvPicPr>
+          <p:nvPr/>
+        </p:nvPicPr>
+        <p:blipFill>
+          <a:blip r:embed="rId3"/>
+          <a:stretch>
+            <a:fillRect/>
+          </a:stretch>
+        </p:blipFill>
+        <p:spPr>
+          <a:xfrm>
+            <a:off x="5766318" y="3870211"/>
+            <a:ext cx="5812837" cy="955714"/>
+          </a:xfrm>
+          <a:prstGeom prst="rect">
+            <a:avLst/>
+          </a:prstGeom>
+        </p:spPr>
+      </p:pic>
+      <p:pic>
+        <p:nvPicPr>
+          <p:cNvPr id="7" name="Picture 6">
+            <a:extLst>
+              <a:ext uri="{FF2B5EF4-FFF2-40B4-BE49-F238E27FC236}">
+                <a16:creationId xmlns:a16="http://schemas.microsoft.com/office/drawing/2014/main" id="{9D613520-9E13-4B01-9867-6C05BD56BFDF}"/>
+              </a:ext>
+            </a:extLst>
+          </p:cNvPr>
+          <p:cNvPicPr>
+            <a:picLocks noChangeAspect="1"/>
+          </p:cNvPicPr>
+          <p:nvPr/>
+        </p:nvPicPr>
+        <p:blipFill>
+          <a:blip r:embed="rId4"/>
+          <a:stretch>
+            <a:fillRect/>
+          </a:stretch>
+        </p:blipFill>
+        <p:spPr>
+          <a:xfrm>
+            <a:off x="7481808" y="4429013"/>
+            <a:ext cx="3212627" cy="2306207"/>
+          </a:xfrm>
+          <a:prstGeom prst="rect">
+            <a:avLst/>
+          </a:prstGeom>
+        </p:spPr>
+      </p:pic>
+    </p:spTree>
+    <p:extLst>
+      <p:ext uri="{BB962C8B-B14F-4D97-AF65-F5344CB8AC3E}">
+        <p14:creationId xmlns:p14="http://schemas.microsoft.com/office/powerpoint/2010/main" val="1546311012"/>
+      </p:ext>
+    </p:extLst>
+  </p:cSld>
+  <p:clrMapOvr>
+    <a:masterClrMapping/>
+  </p:clrMapOvr>
+</p:sld>
+</file>
+
+<file path=ppt/slides/slide11.xml><?xml version="1.0" encoding="utf-8"?>
+<p:sld xmlns:a="http://schemas.openxmlformats.org/drawingml/2006/main" xmlns:r="http://schemas.openxmlformats.org/officeDocument/2006/relationships" xmlns:p="http://schemas.openxmlformats.org/presentationml/2006/main">
+  <p:cSld>
+    <p:spTree>
+      <p:nvGrpSpPr>
+        <p:cNvPr id="1" name=""/>
+        <p:cNvGrpSpPr/>
+        <p:nvPr/>
+      </p:nvGrpSpPr>
+      <p:grpSpPr>
+        <a:xfrm>
+          <a:off x="0" y="0"/>
+          <a:ext cx="0" cy="0"/>
+          <a:chOff x="0" y="0"/>
+          <a:chExt cx="0" cy="0"/>
+        </a:xfrm>
+      </p:grpSpPr>
+      <p:sp>
+        <p:nvSpPr>
+          <p:cNvPr id="2" name="Title 1">
+            <a:extLst>
+              <a:ext uri="{FF2B5EF4-FFF2-40B4-BE49-F238E27FC236}">
+                <a16:creationId xmlns:a16="http://schemas.microsoft.com/office/drawing/2014/main" id="{0699D597-F1C8-492B-B885-5105FE75C9BA}"/>
+              </a:ext>
+            </a:extLst>
+          </p:cNvPr>
+          <p:cNvSpPr>
+            <a:spLocks noGrp="1"/>
+          </p:cNvSpPr>
+          <p:nvPr>
+            <p:ph type="title"/>
+          </p:nvPr>
+        </p:nvSpPr>
+        <p:spPr>
+          <a:xfrm>
+            <a:off x="838200" y="365125"/>
+            <a:ext cx="6752208" cy="1325563"/>
+          </a:xfrm>
+        </p:spPr>
+        <p:txBody>
+          <a:bodyPr/>
+          <a:lstStyle/>
+          <a:p>
+            <a:r>
+              <a:rPr lang="en-US" dirty="0"/>
+              <a:t>Using a spline correlogram</a:t>
+            </a:r>
+          </a:p>
+        </p:txBody>
+      </p:sp>
+      <p:pic>
+        <p:nvPicPr>
+          <p:cNvPr id="5" name="Content Placeholder 4">
+            <a:extLst>
+              <a:ext uri="{FF2B5EF4-FFF2-40B4-BE49-F238E27FC236}">
+                <a16:creationId xmlns:a16="http://schemas.microsoft.com/office/drawing/2014/main" id="{B2B7B5BE-3681-4128-AF18-13BBFCF388D7}"/>
+              </a:ext>
+            </a:extLst>
+          </p:cNvPr>
+          <p:cNvPicPr>
+            <a:picLocks noGrp="1" noChangeAspect="1"/>
+          </p:cNvPicPr>
+          <p:nvPr>
+            <p:ph idx="1"/>
+          </p:nvPr>
+        </p:nvPicPr>
+        <p:blipFill>
+          <a:blip r:embed="rId2"/>
+          <a:stretch>
+            <a:fillRect/>
+          </a:stretch>
+        </p:blipFill>
+        <p:spPr>
+          <a:xfrm>
+            <a:off x="6623179" y="2652134"/>
+            <a:ext cx="4497388" cy="3482091"/>
+          </a:xfrm>
+          <a:prstGeom prst="rect">
+            <a:avLst/>
+          </a:prstGeom>
+        </p:spPr>
+      </p:pic>
+      <p:pic>
+        <p:nvPicPr>
+          <p:cNvPr id="4" name="Picture 3">
+            <a:extLst>
+              <a:ext uri="{FF2B5EF4-FFF2-40B4-BE49-F238E27FC236}">
+                <a16:creationId xmlns:a16="http://schemas.microsoft.com/office/drawing/2014/main" id="{44996927-F859-4A80-B647-C93DED9A1EA0}"/>
+              </a:ext>
+            </a:extLst>
+          </p:cNvPr>
+          <p:cNvPicPr>
+            <a:picLocks noChangeAspect="1"/>
+          </p:cNvPicPr>
+          <p:nvPr/>
+        </p:nvPicPr>
+        <p:blipFill>
+          <a:blip r:embed="rId3"/>
+          <a:stretch>
+            <a:fillRect/>
+          </a:stretch>
+        </p:blipFill>
+        <p:spPr>
+          <a:xfrm>
+            <a:off x="5876656" y="2027457"/>
+            <a:ext cx="5823932" cy="547663"/>
+          </a:xfrm>
+          <a:prstGeom prst="rect">
+            <a:avLst/>
+          </a:prstGeom>
+        </p:spPr>
+      </p:pic>
+      <p:sp>
+        <p:nvSpPr>
+          <p:cNvPr id="6" name="Content Placeholder 2">
+            <a:extLst>
+              <a:ext uri="{FF2B5EF4-FFF2-40B4-BE49-F238E27FC236}">
+                <a16:creationId xmlns:a16="http://schemas.microsoft.com/office/drawing/2014/main" id="{577C2FA1-4635-44BF-8FB1-A5AE965A9BD1}"/>
+              </a:ext>
+            </a:extLst>
+          </p:cNvPr>
+          <p:cNvSpPr txBox="1">
+            <a:spLocks/>
+          </p:cNvSpPr>
+          <p:nvPr/>
+        </p:nvSpPr>
+        <p:spPr>
+          <a:xfrm>
+            <a:off x="838200" y="1825625"/>
+            <a:ext cx="4928118" cy="4351338"/>
+          </a:xfrm>
+          <a:prstGeom prst="rect">
+            <a:avLst/>
+          </a:prstGeom>
+        </p:spPr>
+        <p:txBody>
+          <a:bodyPr vert="horz" lIns="91440" tIns="45720" rIns="91440" bIns="45720" rtlCol="0">
+            <a:normAutofit/>
+          </a:bodyPr>
+          <a:lstStyle>
+            <a:lvl1pPr marL="228600" indent="-228600" algn="l" defTabSz="914400" rtl="0" eaLnBrk="1" latinLnBrk="0" hangingPunct="1">
+              <a:lnSpc>
+                <a:spcPct val="90000"/>
+              </a:lnSpc>
+              <a:spcBef>
+                <a:spcPts val="1000"/>
+              </a:spcBef>
+              <a:buFont typeface="Arial" panose="020B0604020202020204" pitchFamily="34" charset="0"/>
+              <a:buChar char="•"/>
+              <a:defRPr sz="2800" kern="1200">
+                <a:solidFill>
+                  <a:schemeClr val="tx1"/>
+                </a:solidFill>
+                <a:latin typeface="+mn-lt"/>
+                <a:ea typeface="+mn-ea"/>
+                <a:cs typeface="+mn-cs"/>
+              </a:defRPr>
+            </a:lvl1pPr>
+            <a:lvl2pPr marL="685800" indent="-228600" algn="l" defTabSz="914400" rtl="0" eaLnBrk="1" latinLnBrk="0" hangingPunct="1">
+              <a:lnSpc>
+                <a:spcPct val="90000"/>
+              </a:lnSpc>
+              <a:spcBef>
+                <a:spcPts val="500"/>
+              </a:spcBef>
+              <a:buFont typeface="Arial" panose="020B0604020202020204" pitchFamily="34" charset="0"/>
+              <a:buChar char="•"/>
+              <a:defRPr sz="2400" kern="1200">
+                <a:solidFill>
+                  <a:schemeClr val="tx1"/>
+                </a:solidFill>
+                <a:latin typeface="+mn-lt"/>
+                <a:ea typeface="+mn-ea"/>
+                <a:cs typeface="+mn-cs"/>
+              </a:defRPr>
+            </a:lvl2pPr>
+            <a:lvl3pPr marL="1143000" indent="-228600" algn="l" defTabSz="914400" rtl="0" eaLnBrk="1" latinLnBrk="0" hangingPunct="1">
+              <a:lnSpc>
+                <a:spcPct val="90000"/>
+              </a:lnSpc>
+              <a:spcBef>
+                <a:spcPts val="500"/>
+              </a:spcBef>
+              <a:buFont typeface="Arial" panose="020B0604020202020204" pitchFamily="34" charset="0"/>
+              <a:buChar char="•"/>
+              <a:defRPr sz="2000" kern="1200">
+                <a:solidFill>
+                  <a:schemeClr val="tx1"/>
+                </a:solidFill>
+                <a:latin typeface="+mn-lt"/>
+                <a:ea typeface="+mn-ea"/>
+                <a:cs typeface="+mn-cs"/>
+              </a:defRPr>
+            </a:lvl3pPr>
+            <a:lvl4pPr marL="1600200" indent="-228600" algn="l" defTabSz="914400" rtl="0" eaLnBrk="1" latinLnBrk="0" hangingPunct="1">
+              <a:lnSpc>
+                <a:spcPct val="90000"/>
+              </a:lnSpc>
+              <a:spcBef>
+                <a:spcPts val="500"/>
+              </a:spcBef>
+              <a:buFont typeface="Arial" panose="020B0604020202020204" pitchFamily="34" charset="0"/>
+              <a:buChar char="•"/>
+              <a:defRPr sz="1800" kern="1200">
+                <a:solidFill>
+                  <a:schemeClr val="tx1"/>
+                </a:solidFill>
+                <a:latin typeface="+mn-lt"/>
+                <a:ea typeface="+mn-ea"/>
+                <a:cs typeface="+mn-cs"/>
+              </a:defRPr>
+            </a:lvl4pPr>
+            <a:lvl5pPr marL="2057400" indent="-228600" algn="l" defTabSz="914400" rtl="0" eaLnBrk="1" latinLnBrk="0" hangingPunct="1">
+              <a:lnSpc>
+                <a:spcPct val="90000"/>
+              </a:lnSpc>
+              <a:spcBef>
+                <a:spcPts val="500"/>
+              </a:spcBef>
+              <a:buFont typeface="Arial" panose="020B0604020202020204" pitchFamily="34" charset="0"/>
+              <a:buChar char="•"/>
+              <a:defRPr sz="1800" kern="1200">
+                <a:solidFill>
+                  <a:schemeClr val="tx1"/>
+                </a:solidFill>
+                <a:latin typeface="+mn-lt"/>
+                <a:ea typeface="+mn-ea"/>
+                <a:cs typeface="+mn-cs"/>
+              </a:defRPr>
+            </a:lvl5pPr>
+            <a:lvl6pPr marL="2514600" indent="-228600" algn="l" defTabSz="914400" rtl="0" eaLnBrk="1" latinLnBrk="0" hangingPunct="1">
+              <a:lnSpc>
+                <a:spcPct val="90000"/>
+              </a:lnSpc>
+              <a:spcBef>
+                <a:spcPts val="500"/>
+              </a:spcBef>
+              <a:buFont typeface="Arial" panose="020B0604020202020204" pitchFamily="34" charset="0"/>
+              <a:buChar char="•"/>
+              <a:defRPr sz="1800" kern="1200">
+                <a:solidFill>
+                  <a:schemeClr val="tx1"/>
+                </a:solidFill>
+                <a:latin typeface="+mn-lt"/>
+                <a:ea typeface="+mn-ea"/>
+                <a:cs typeface="+mn-cs"/>
+              </a:defRPr>
+            </a:lvl6pPr>
+            <a:lvl7pPr marL="2971800" indent="-228600" algn="l" defTabSz="914400" rtl="0" eaLnBrk="1" latinLnBrk="0" hangingPunct="1">
+              <a:lnSpc>
+                <a:spcPct val="90000"/>
+              </a:lnSpc>
+              <a:spcBef>
+                <a:spcPts val="500"/>
+              </a:spcBef>
+              <a:buFont typeface="Arial" panose="020B0604020202020204" pitchFamily="34" charset="0"/>
+              <a:buChar char="•"/>
+              <a:defRPr sz="1800" kern="1200">
+                <a:solidFill>
+                  <a:schemeClr val="tx1"/>
+                </a:solidFill>
+                <a:latin typeface="+mn-lt"/>
+                <a:ea typeface="+mn-ea"/>
+                <a:cs typeface="+mn-cs"/>
+              </a:defRPr>
+            </a:lvl7pPr>
+            <a:lvl8pPr marL="3429000" indent="-228600" algn="l" defTabSz="914400" rtl="0" eaLnBrk="1" latinLnBrk="0" hangingPunct="1">
+              <a:lnSpc>
+                <a:spcPct val="90000"/>
+              </a:lnSpc>
+              <a:spcBef>
+                <a:spcPts val="500"/>
+              </a:spcBef>
+              <a:buFont typeface="Arial" panose="020B0604020202020204" pitchFamily="34" charset="0"/>
+              <a:buChar char="•"/>
+              <a:defRPr sz="1800" kern="1200">
+                <a:solidFill>
+                  <a:schemeClr val="tx1"/>
+                </a:solidFill>
+                <a:latin typeface="+mn-lt"/>
+                <a:ea typeface="+mn-ea"/>
+                <a:cs typeface="+mn-cs"/>
+              </a:defRPr>
+            </a:lvl8pPr>
+            <a:lvl9pPr marL="3886200" indent="-228600" algn="l" defTabSz="914400" rtl="0" eaLnBrk="1" latinLnBrk="0" hangingPunct="1">
+              <a:lnSpc>
+                <a:spcPct val="90000"/>
+              </a:lnSpc>
+              <a:spcBef>
+                <a:spcPts val="500"/>
+              </a:spcBef>
+              <a:buFont typeface="Arial" panose="020B0604020202020204" pitchFamily="34" charset="0"/>
+              <a:buChar char="•"/>
+              <a:defRPr sz="1800" kern="1200">
+                <a:solidFill>
+                  <a:schemeClr val="tx1"/>
+                </a:solidFill>
+                <a:latin typeface="+mn-lt"/>
+                <a:ea typeface="+mn-ea"/>
+                <a:cs typeface="+mn-cs"/>
+              </a:defRPr>
+            </a:lvl9pPr>
+          </a:lstStyle>
+          <a:p>
+            <a:r>
+              <a:rPr lang="en-US" dirty="0"/>
+              <a:t>Plots correlation as a function of distance between sample points</a:t>
+            </a:r>
+          </a:p>
+          <a:p>
+            <a:pPr lvl="1"/>
+            <a:r>
+              <a:rPr lang="en-US" dirty="0"/>
+              <a:t>Non-parametric estimator to get smooth function for correlation</a:t>
+            </a:r>
+          </a:p>
+        </p:txBody>
+      </p:sp>
+    </p:spTree>
+    <p:extLst>
+      <p:ext uri="{BB962C8B-B14F-4D97-AF65-F5344CB8AC3E}">
+        <p14:creationId xmlns:p14="http://schemas.microsoft.com/office/powerpoint/2010/main" val="687561083"/>
+      </p:ext>
+    </p:extLst>
+  </p:cSld>
+  <p:clrMapOvr>
+    <a:masterClrMapping/>
+  </p:clrMapOvr>
+</p:sld>
+</file>
+
+<file path=ppt/slides/slide12.xml><?xml version="1.0" encoding="utf-8"?>
+<p:sld xmlns:a="http://schemas.openxmlformats.org/drawingml/2006/main" xmlns:r="http://schemas.openxmlformats.org/officeDocument/2006/relationships" xmlns:p="http://schemas.openxmlformats.org/presentationml/2006/main">
+  <p:cSld>
+    <p:spTree>
+      <p:nvGrpSpPr>
+        <p:cNvPr id="1" name=""/>
+        <p:cNvGrpSpPr/>
+        <p:nvPr/>
+      </p:nvGrpSpPr>
+      <p:grpSpPr>
+        <a:xfrm>
+          <a:off x="0" y="0"/>
+          <a:ext cx="0" cy="0"/>
+          <a:chOff x="0" y="0"/>
+          <a:chExt cx="0" cy="0"/>
+        </a:xfrm>
+      </p:grpSpPr>
+      <p:sp>
+        <p:nvSpPr>
+          <p:cNvPr id="2" name="Title 1">
+            <a:extLst>
+              <a:ext uri="{FF2B5EF4-FFF2-40B4-BE49-F238E27FC236}">
+                <a16:creationId xmlns:a16="http://schemas.microsoft.com/office/drawing/2014/main" id="{F7C21420-19A5-410A-B076-DA36B958C505}"/>
+              </a:ext>
+            </a:extLst>
+          </p:cNvPr>
+          <p:cNvSpPr>
+            <a:spLocks noGrp="1"/>
+          </p:cNvSpPr>
+          <p:nvPr>
+            <p:ph type="title"/>
+          </p:nvPr>
+        </p:nvSpPr>
+        <p:spPr/>
+        <p:txBody>
+          <a:bodyPr/>
+          <a:lstStyle/>
+          <a:p>
+            <a:r>
+              <a:rPr lang="en-US" dirty="0"/>
+              <a:t>Functions to describe autocorrelation</a:t>
+            </a:r>
+          </a:p>
+        </p:txBody>
+      </p:sp>
+      <p:sp>
+        <p:nvSpPr>
+          <p:cNvPr id="3" name="Content Placeholder 2">
+            <a:extLst>
+              <a:ext uri="{FF2B5EF4-FFF2-40B4-BE49-F238E27FC236}">
+                <a16:creationId xmlns:a16="http://schemas.microsoft.com/office/drawing/2014/main" id="{A7FD52CA-0C4E-4A48-9AEC-BC3A18EC419E}"/>
+              </a:ext>
+            </a:extLst>
+          </p:cNvPr>
+          <p:cNvSpPr>
+            <a:spLocks noGrp="1"/>
+          </p:cNvSpPr>
+          <p:nvPr>
+            <p:ph idx="1"/>
+          </p:nvPr>
+        </p:nvSpPr>
+        <p:spPr>
+          <a:xfrm>
+            <a:off x="838200" y="1825625"/>
+            <a:ext cx="3440837" cy="4351338"/>
+          </a:xfrm>
+        </p:spPr>
+        <p:txBody>
+          <a:bodyPr/>
+          <a:lstStyle/>
+          <a:p>
+            <a:r>
+              <a:rPr lang="en-US" dirty="0"/>
+              <a:t>Spherical, Linear, Ratio, Gaussian, Exponential</a:t>
+            </a:r>
+          </a:p>
+          <a:p>
+            <a:r>
+              <a:rPr lang="en-US" dirty="0"/>
+              <a:t>Continuous functions that define autocorrelation</a:t>
+            </a:r>
+          </a:p>
+          <a:p>
+            <a:r>
+              <a:rPr lang="en-US" dirty="0"/>
+              <a:t>Can compare AIC between different autocorrelation models</a:t>
+            </a:r>
+          </a:p>
+          <a:p>
+            <a:pPr marL="0" indent="0">
+              <a:buNone/>
+            </a:pPr>
+            <a:endParaRPr lang="en-US" dirty="0"/>
+          </a:p>
+        </p:txBody>
+      </p:sp>
+      <p:pic>
+        <p:nvPicPr>
+          <p:cNvPr id="4" name="Picture 3">
+            <a:extLst>
+              <a:ext uri="{FF2B5EF4-FFF2-40B4-BE49-F238E27FC236}">
+                <a16:creationId xmlns:a16="http://schemas.microsoft.com/office/drawing/2014/main" id="{333E8976-3428-40D4-A060-16A2A4236852}"/>
+              </a:ext>
+            </a:extLst>
+          </p:cNvPr>
+          <p:cNvPicPr>
+            <a:picLocks noChangeAspect="1"/>
+          </p:cNvPicPr>
+          <p:nvPr/>
+        </p:nvPicPr>
+        <p:blipFill>
+          <a:blip r:embed="rId2"/>
+          <a:stretch>
+            <a:fillRect/>
+          </a:stretch>
+        </p:blipFill>
+        <p:spPr>
+          <a:xfrm>
+            <a:off x="5514392" y="1308656"/>
+            <a:ext cx="4310744" cy="2120344"/>
+          </a:xfrm>
+          <a:prstGeom prst="rect">
+            <a:avLst/>
+          </a:prstGeom>
+        </p:spPr>
+      </p:pic>
+      <p:pic>
+        <p:nvPicPr>
+          <p:cNvPr id="5" name="Picture 4">
+            <a:extLst>
+              <a:ext uri="{FF2B5EF4-FFF2-40B4-BE49-F238E27FC236}">
+                <a16:creationId xmlns:a16="http://schemas.microsoft.com/office/drawing/2014/main" id="{FCDCD5E8-0C08-4A24-833C-3708097D1CC4}"/>
+              </a:ext>
+            </a:extLst>
+          </p:cNvPr>
+          <p:cNvPicPr>
+            <a:picLocks noChangeAspect="1"/>
+          </p:cNvPicPr>
+          <p:nvPr/>
+        </p:nvPicPr>
+        <p:blipFill>
+          <a:blip r:embed="rId3"/>
+          <a:stretch>
+            <a:fillRect/>
+          </a:stretch>
+        </p:blipFill>
+        <p:spPr>
+          <a:xfrm>
+            <a:off x="4970435" y="3704860"/>
+            <a:ext cx="6767146" cy="502964"/>
+          </a:xfrm>
+          <a:prstGeom prst="rect">
+            <a:avLst/>
+          </a:prstGeom>
+        </p:spPr>
+      </p:pic>
+      <p:pic>
+        <p:nvPicPr>
+          <p:cNvPr id="7" name="Picture 6">
+            <a:extLst>
+              <a:ext uri="{FF2B5EF4-FFF2-40B4-BE49-F238E27FC236}">
+                <a16:creationId xmlns:a16="http://schemas.microsoft.com/office/drawing/2014/main" id="{E561F780-AC55-49DB-96D0-104D745D4F19}"/>
+              </a:ext>
+            </a:extLst>
+          </p:cNvPr>
+          <p:cNvPicPr>
+            <a:picLocks noChangeAspect="1"/>
+          </p:cNvPicPr>
+          <p:nvPr/>
+        </p:nvPicPr>
+        <p:blipFill>
+          <a:blip r:embed="rId4"/>
+          <a:stretch>
+            <a:fillRect/>
+          </a:stretch>
+        </p:blipFill>
+        <p:spPr>
+          <a:xfrm>
+            <a:off x="4970435" y="4207824"/>
+            <a:ext cx="3605478" cy="2064205"/>
+          </a:xfrm>
+          <a:prstGeom prst="rect">
+            <a:avLst/>
+          </a:prstGeom>
+        </p:spPr>
+      </p:pic>
+      <p:pic>
+        <p:nvPicPr>
+          <p:cNvPr id="8" name="Picture 7">
+            <a:extLst>
+              <a:ext uri="{FF2B5EF4-FFF2-40B4-BE49-F238E27FC236}">
+                <a16:creationId xmlns:a16="http://schemas.microsoft.com/office/drawing/2014/main" id="{A4203CB0-859A-4735-A685-081E9C3C91BC}"/>
+              </a:ext>
+            </a:extLst>
+          </p:cNvPr>
+          <p:cNvPicPr>
+            <a:picLocks noChangeAspect="1"/>
+          </p:cNvPicPr>
+          <p:nvPr/>
+        </p:nvPicPr>
+        <p:blipFill>
+          <a:blip r:embed="rId5"/>
+          <a:stretch>
+            <a:fillRect/>
+          </a:stretch>
+        </p:blipFill>
+        <p:spPr>
+          <a:xfrm>
+            <a:off x="8753895" y="4214396"/>
+            <a:ext cx="2983686" cy="2157897"/>
+          </a:xfrm>
+          <a:prstGeom prst="rect">
+            <a:avLst/>
+          </a:prstGeom>
+        </p:spPr>
+      </p:pic>
+    </p:spTree>
+    <p:extLst>
+      <p:ext uri="{BB962C8B-B14F-4D97-AF65-F5344CB8AC3E}">
+        <p14:creationId xmlns:p14="http://schemas.microsoft.com/office/powerpoint/2010/main" val="2893165414"/>
+      </p:ext>
+    </p:extLst>
+  </p:cSld>
+  <p:clrMapOvr>
+    <a:masterClrMapping/>
+  </p:clrMapOvr>
+</p:sld>
+</file>
+
+<file path=ppt/slides/slide13.xml><?xml version="1.0" encoding="utf-8"?>
+<p:sld xmlns:a="http://schemas.openxmlformats.org/drawingml/2006/main" xmlns:r="http://schemas.openxmlformats.org/officeDocument/2006/relationships" xmlns:p="http://schemas.openxmlformats.org/presentationml/2006/main">
+  <p:cSld>
+    <p:spTree>
+      <p:nvGrpSpPr>
+        <p:cNvPr id="1" name=""/>
+        <p:cNvGrpSpPr/>
+        <p:nvPr/>
+      </p:nvGrpSpPr>
+      <p:grpSpPr>
+        <a:xfrm>
+          <a:off x="0" y="0"/>
+          <a:ext cx="0" cy="0"/>
+          <a:chOff x="0" y="0"/>
+          <a:chExt cx="0" cy="0"/>
+        </a:xfrm>
+      </p:grpSpPr>
+      <p:sp>
+        <p:nvSpPr>
+          <p:cNvPr id="2" name="Title 1">
+            <a:extLst>
+              <a:ext uri="{FF2B5EF4-FFF2-40B4-BE49-F238E27FC236}">
+                <a16:creationId xmlns:a16="http://schemas.microsoft.com/office/drawing/2014/main" id="{58A3922A-D783-47CA-BC97-91FE82238D87}"/>
+              </a:ext>
+            </a:extLst>
+          </p:cNvPr>
+          <p:cNvSpPr>
+            <a:spLocks noGrp="1"/>
+          </p:cNvSpPr>
+          <p:nvPr>
+            <p:ph type="title"/>
+          </p:nvPr>
+        </p:nvSpPr>
+        <p:spPr/>
+        <p:txBody>
+          <a:bodyPr/>
+          <a:lstStyle/>
+          <a:p>
+            <a:r>
+              <a:rPr lang="en-US" dirty="0"/>
+              <a:t>Other spatial considerations</a:t>
+            </a:r>
+          </a:p>
+        </p:txBody>
+      </p:sp>
+      <p:sp>
+        <p:nvSpPr>
+          <p:cNvPr id="3" name="Content Placeholder 2">
+            <a:extLst>
+              <a:ext uri="{FF2B5EF4-FFF2-40B4-BE49-F238E27FC236}">
+                <a16:creationId xmlns:a16="http://schemas.microsoft.com/office/drawing/2014/main" id="{88E239FC-C874-47D7-8C14-239F7D9D58D4}"/>
+              </a:ext>
+            </a:extLst>
+          </p:cNvPr>
+          <p:cNvSpPr>
+            <a:spLocks noGrp="1"/>
+          </p:cNvSpPr>
+          <p:nvPr>
+            <p:ph idx="1"/>
+          </p:nvPr>
+        </p:nvSpPr>
+        <p:spPr>
+          <a:xfrm>
+            <a:off x="838200" y="1825625"/>
+            <a:ext cx="4013718" cy="4351338"/>
+          </a:xfrm>
+        </p:spPr>
+        <p:txBody>
+          <a:bodyPr/>
+          <a:lstStyle/>
+          <a:p>
+            <a:r>
+              <a:rPr lang="en-US" dirty="0"/>
+              <a:t>Importance of direction</a:t>
+            </a:r>
+          </a:p>
+        </p:txBody>
+      </p:sp>
+      <p:pic>
+        <p:nvPicPr>
+          <p:cNvPr id="4" name="Picture 3">
+            <a:extLst>
+              <a:ext uri="{FF2B5EF4-FFF2-40B4-BE49-F238E27FC236}">
+                <a16:creationId xmlns:a16="http://schemas.microsoft.com/office/drawing/2014/main" id="{6848F5B1-2820-4FED-B7AC-38A4B5B78ACB}"/>
+              </a:ext>
+            </a:extLst>
+          </p:cNvPr>
+          <p:cNvPicPr>
+            <a:picLocks noChangeAspect="1"/>
+          </p:cNvPicPr>
+          <p:nvPr/>
+        </p:nvPicPr>
+        <p:blipFill>
+          <a:blip r:embed="rId2"/>
+          <a:stretch>
+            <a:fillRect/>
+          </a:stretch>
+        </p:blipFill>
+        <p:spPr>
+          <a:xfrm>
+            <a:off x="5135357" y="1690688"/>
+            <a:ext cx="6698560" cy="670618"/>
+          </a:xfrm>
+          <a:prstGeom prst="rect">
+            <a:avLst/>
+          </a:prstGeom>
+        </p:spPr>
+      </p:pic>
+      <p:pic>
+        <p:nvPicPr>
+          <p:cNvPr id="5" name="Picture 4">
+            <a:extLst>
+              <a:ext uri="{FF2B5EF4-FFF2-40B4-BE49-F238E27FC236}">
+                <a16:creationId xmlns:a16="http://schemas.microsoft.com/office/drawing/2014/main" id="{60A30DE8-020D-4B99-93A6-027209E95B26}"/>
+              </a:ext>
+            </a:extLst>
+          </p:cNvPr>
+          <p:cNvPicPr>
+            <a:picLocks noChangeAspect="1"/>
+          </p:cNvPicPr>
+          <p:nvPr/>
+        </p:nvPicPr>
+        <p:blipFill>
+          <a:blip r:embed="rId3"/>
+          <a:stretch>
+            <a:fillRect/>
+          </a:stretch>
+        </p:blipFill>
+        <p:spPr>
+          <a:xfrm>
+            <a:off x="8624287" y="2476188"/>
+            <a:ext cx="3209630" cy="3050211"/>
+          </a:xfrm>
+          <a:prstGeom prst="rect">
+            <a:avLst/>
+          </a:prstGeom>
+        </p:spPr>
+      </p:pic>
+      <p:pic>
+        <p:nvPicPr>
+          <p:cNvPr id="6" name="Picture 5">
+            <a:extLst>
+              <a:ext uri="{FF2B5EF4-FFF2-40B4-BE49-F238E27FC236}">
+                <a16:creationId xmlns:a16="http://schemas.microsoft.com/office/drawing/2014/main" id="{9DEA4A4F-32E6-461E-864C-E66CCCC17183}"/>
+              </a:ext>
+            </a:extLst>
+          </p:cNvPr>
+          <p:cNvPicPr>
+            <a:picLocks noChangeAspect="1"/>
+          </p:cNvPicPr>
+          <p:nvPr/>
+        </p:nvPicPr>
+        <p:blipFill>
+          <a:blip r:embed="rId4"/>
+          <a:stretch>
+            <a:fillRect/>
+          </a:stretch>
+        </p:blipFill>
+        <p:spPr>
+          <a:xfrm>
+            <a:off x="1122022" y="3055957"/>
+            <a:ext cx="6812870" cy="3436918"/>
+          </a:xfrm>
+          <a:prstGeom prst="rect">
+            <a:avLst/>
+          </a:prstGeom>
+        </p:spPr>
+      </p:pic>
+    </p:spTree>
+    <p:extLst>
+      <p:ext uri="{BB962C8B-B14F-4D97-AF65-F5344CB8AC3E}">
+        <p14:creationId xmlns:p14="http://schemas.microsoft.com/office/powerpoint/2010/main" val="1008940515"/>
+      </p:ext>
+    </p:extLst>
+  </p:cSld>
+  <p:clrMapOvr>
+    <a:masterClrMapping/>
+  </p:clrMapOvr>
+</p:sld>
+</file>
+
 <file path=ppt/slides/slide2.xml><?xml version="1.0" encoding="utf-8"?>
 <p:sld xmlns:a="http://schemas.openxmlformats.org/drawingml/2006/main" xmlns:r="http://schemas.openxmlformats.org/officeDocument/2006/relationships" xmlns:p="http://schemas.openxmlformats.org/presentationml/2006/main">
   <p:cSld>
@@ -3622,7 +4622,7 @@
           <a:p>
             <a:r>
               <a:rPr lang="en-US" dirty="0"/>
-              <a:t>Ex: How does rainfall affect populations?</a:t>
+              <a:t>Ex: How does rainfall affect bird populations?</a:t>
             </a:r>
           </a:p>
         </p:txBody>
@@ -3714,7 +4714,7 @@
         </p:spPr>
         <p:txBody>
           <a:bodyPr>
-            <a:normAutofit lnSpcReduction="10000"/>
+            <a:normAutofit fontScale="92500" lnSpcReduction="10000"/>
           </a:bodyPr>
           <a:lstStyle/>
           <a:p>
@@ -3812,7 +4812,7 @@
             </a:r>
             <a:r>
               <a:rPr lang="en-US" dirty="0"/>
-              <a:t>x 1 vector of errors</a:t>
+              <a:t>x 1 vector of residuals</a:t>
             </a:r>
           </a:p>
           <a:p>
@@ -3847,7 +4847,14 @@
           <a:p>
             <a:r>
               <a:rPr lang="en-US" dirty="0"/>
-              <a:t>In GLS, we create an error covariance matrix that describes a correlation structure of errors</a:t>
+              <a:t>In GLS, we create an variance-covariance matrix that describes a correlation structure of residuals</a:t>
+            </a:r>
+          </a:p>
+          <a:p>
+            <a:pPr lvl="1"/>
+            <a:r>
+              <a:rPr lang="en-US" dirty="0"/>
+              <a:t>In OLS, this is just an identity matrix</a:t>
             </a:r>
           </a:p>
           <a:p>
@@ -3923,14 +4930,83 @@
         </p:blipFill>
         <p:spPr>
           <a:xfrm>
-            <a:off x="6018421" y="4776606"/>
-            <a:ext cx="5439572" cy="1524132"/>
+            <a:off x="6018421" y="4776605"/>
+            <a:ext cx="5439572" cy="1853851"/>
           </a:xfrm>
           <a:prstGeom prst="rect">
             <a:avLst/>
           </a:prstGeom>
         </p:spPr>
       </p:pic>
+      <p:pic>
+        <p:nvPicPr>
+          <p:cNvPr id="6" name="Picture 5">
+            <a:extLst>
+              <a:ext uri="{FF2B5EF4-FFF2-40B4-BE49-F238E27FC236}">
+                <a16:creationId xmlns:a16="http://schemas.microsoft.com/office/drawing/2014/main" id="{A11B8383-1EF3-4585-AFEF-16441053EC9E}"/>
+              </a:ext>
+            </a:extLst>
+          </p:cNvPr>
+          <p:cNvPicPr>
+            <a:picLocks noChangeAspect="1"/>
+          </p:cNvPicPr>
+          <p:nvPr/>
+        </p:nvPicPr>
+        <p:blipFill>
+          <a:blip r:embed="rId4"/>
+          <a:stretch>
+            <a:fillRect/>
+          </a:stretch>
+        </p:blipFill>
+        <p:spPr>
+          <a:xfrm>
+            <a:off x="10753326" y="1093961"/>
+            <a:ext cx="563929" cy="1249788"/>
+          </a:xfrm>
+          <a:prstGeom prst="rect">
+            <a:avLst/>
+          </a:prstGeom>
+        </p:spPr>
+      </p:pic>
+      <p:cxnSp>
+        <p:nvCxnSpPr>
+          <p:cNvPr id="9" name="Straight Arrow Connector 8">
+            <a:extLst>
+              <a:ext uri="{FF2B5EF4-FFF2-40B4-BE49-F238E27FC236}">
+                <a16:creationId xmlns:a16="http://schemas.microsoft.com/office/drawing/2014/main" id="{0D05DECC-990F-4F0F-967F-FC0C02455455}"/>
+              </a:ext>
+            </a:extLst>
+          </p:cNvPr>
+          <p:cNvCxnSpPr/>
+          <p:nvPr/>
+        </p:nvCxnSpPr>
+        <p:spPr>
+          <a:xfrm>
+            <a:off x="9479902" y="1772816"/>
+            <a:ext cx="1166327" cy="0"/>
+          </a:xfrm>
+          <a:prstGeom prst="straightConnector1">
+            <a:avLst/>
+          </a:prstGeom>
+          <a:ln>
+            <a:tailEnd type="triangle"/>
+          </a:ln>
+        </p:spPr>
+        <p:style>
+          <a:lnRef idx="1">
+            <a:schemeClr val="accent1"/>
+          </a:lnRef>
+          <a:fillRef idx="0">
+            <a:schemeClr val="accent1"/>
+          </a:fillRef>
+          <a:effectRef idx="0">
+            <a:schemeClr val="accent1"/>
+          </a:effectRef>
+          <a:fontRef idx="minor">
+            <a:schemeClr val="tx1"/>
+          </a:fontRef>
+        </p:style>
+      </p:cxnSp>
     </p:spTree>
     <p:extLst>
       <p:ext uri="{BB962C8B-B14F-4D97-AF65-F5344CB8AC3E}">
@@ -4380,7 +5456,7 @@
           <a:p>
             <a:r>
               <a:rPr lang="en-US" dirty="0"/>
-              <a:t>Implementation in R</a:t>
+              <a:t>Implementation</a:t>
             </a:r>
           </a:p>
         </p:txBody>
@@ -4608,7 +5684,89 @@
           <a:bodyPr/>
           <a:lstStyle/>
           <a:p>
-            <a:endParaRPr lang="en-US"/>
+            <a:r>
+              <a:rPr lang="en-US" dirty="0"/>
+              <a:t>Approach is conceptually similar</a:t>
+            </a:r>
+          </a:p>
+          <a:p>
+            <a:pPr lvl="1"/>
+            <a:r>
+              <a:rPr lang="en-US" dirty="0"/>
+              <a:t>Look for evidence of autocorrelation</a:t>
+            </a:r>
+          </a:p>
+          <a:p>
+            <a:pPr lvl="1"/>
+            <a:r>
+              <a:rPr lang="en-US" dirty="0"/>
+              <a:t>Find an appropriate model to describe autocorrelation</a:t>
+            </a:r>
+          </a:p>
+        </p:txBody>
+      </p:sp>
+      <p:pic>
+        <p:nvPicPr>
+          <p:cNvPr id="4" name="Picture 3">
+            <a:extLst>
+              <a:ext uri="{FF2B5EF4-FFF2-40B4-BE49-F238E27FC236}">
+                <a16:creationId xmlns:a16="http://schemas.microsoft.com/office/drawing/2014/main" id="{A4612BAE-F797-4A6E-93C8-B97A829FDACC}"/>
+              </a:ext>
+            </a:extLst>
+          </p:cNvPr>
+          <p:cNvPicPr>
+            <a:picLocks noChangeAspect="1"/>
+          </p:cNvPicPr>
+          <p:nvPr/>
+        </p:nvPicPr>
+        <p:blipFill>
+          <a:blip r:embed="rId2"/>
+          <a:stretch>
+            <a:fillRect/>
+          </a:stretch>
+        </p:blipFill>
+        <p:spPr>
+          <a:xfrm>
+            <a:off x="838200" y="3253428"/>
+            <a:ext cx="3903773" cy="3239447"/>
+          </a:xfrm>
+          <a:prstGeom prst="rect">
+            <a:avLst/>
+          </a:prstGeom>
+        </p:spPr>
+      </p:pic>
+      <p:sp>
+        <p:nvSpPr>
+          <p:cNvPr id="5" name="TextBox 4">
+            <a:extLst>
+              <a:ext uri="{FF2B5EF4-FFF2-40B4-BE49-F238E27FC236}">
+                <a16:creationId xmlns:a16="http://schemas.microsoft.com/office/drawing/2014/main" id="{DD189C37-225E-44B6-B963-7A2C3F0A236F}"/>
+              </a:ext>
+            </a:extLst>
+          </p:cNvPr>
+          <p:cNvSpPr txBox="1"/>
+          <p:nvPr/>
+        </p:nvSpPr>
+        <p:spPr>
+          <a:xfrm>
+            <a:off x="5345976" y="5688588"/>
+            <a:ext cx="4208106" cy="646331"/>
+          </a:xfrm>
+          <a:prstGeom prst="rect">
+            <a:avLst/>
+          </a:prstGeom>
+          <a:noFill/>
+        </p:spPr>
+        <p:txBody>
+          <a:bodyPr wrap="square" rtlCol="0">
+            <a:spAutoFit/>
+          </a:bodyPr>
+          <a:lstStyle/>
+          <a:p>
+            <a:r>
+              <a:rPr lang="en-US" dirty="0"/>
+              <a:t>Flowering time of Arabidopsis in Spain &amp; Portugal</a:t>
+            </a:r>
           </a:p>
         </p:txBody>
       </p:sp>
@@ -4616,6 +5774,157 @@
     <p:extLst>
       <p:ext uri="{BB962C8B-B14F-4D97-AF65-F5344CB8AC3E}">
         <p14:creationId xmlns:p14="http://schemas.microsoft.com/office/powerpoint/2010/main" val="3075189420"/>
+      </p:ext>
+    </p:extLst>
+  </p:cSld>
+  <p:clrMapOvr>
+    <a:masterClrMapping/>
+  </p:clrMapOvr>
+</p:sld>
+</file>
+
+<file path=ppt/slides/slide9.xml><?xml version="1.0" encoding="utf-8"?>
+<p:sld xmlns:a="http://schemas.openxmlformats.org/drawingml/2006/main" xmlns:r="http://schemas.openxmlformats.org/officeDocument/2006/relationships" xmlns:p="http://schemas.openxmlformats.org/presentationml/2006/main">
+  <p:cSld>
+    <p:spTree>
+      <p:nvGrpSpPr>
+        <p:cNvPr id="1" name=""/>
+        <p:cNvGrpSpPr/>
+        <p:nvPr/>
+      </p:nvGrpSpPr>
+      <p:grpSpPr>
+        <a:xfrm>
+          <a:off x="0" y="0"/>
+          <a:ext cx="0" cy="0"/>
+          <a:chOff x="0" y="0"/>
+          <a:chExt cx="0" cy="0"/>
+        </a:xfrm>
+      </p:grpSpPr>
+      <p:sp>
+        <p:nvSpPr>
+          <p:cNvPr id="2" name="Title 1">
+            <a:extLst>
+              <a:ext uri="{FF2B5EF4-FFF2-40B4-BE49-F238E27FC236}">
+                <a16:creationId xmlns:a16="http://schemas.microsoft.com/office/drawing/2014/main" id="{27B55C9D-D0C3-457D-989C-95E5D9A771CE}"/>
+              </a:ext>
+            </a:extLst>
+          </p:cNvPr>
+          <p:cNvSpPr>
+            <a:spLocks noGrp="1"/>
+          </p:cNvSpPr>
+          <p:nvPr>
+            <p:ph type="title"/>
+          </p:nvPr>
+        </p:nvSpPr>
+        <p:spPr/>
+        <p:txBody>
+          <a:bodyPr/>
+          <a:lstStyle/>
+          <a:p>
+            <a:r>
+              <a:rPr lang="en-US" dirty="0"/>
+              <a:t>Identifying spatial autocorrelation</a:t>
+            </a:r>
+          </a:p>
+        </p:txBody>
+      </p:sp>
+      <p:sp>
+        <p:nvSpPr>
+          <p:cNvPr id="3" name="Content Placeholder 2">
+            <a:extLst>
+              <a:ext uri="{FF2B5EF4-FFF2-40B4-BE49-F238E27FC236}">
+                <a16:creationId xmlns:a16="http://schemas.microsoft.com/office/drawing/2014/main" id="{A8981EE0-59D0-4982-82DA-806DBA21A38A}"/>
+              </a:ext>
+            </a:extLst>
+          </p:cNvPr>
+          <p:cNvSpPr>
+            <a:spLocks noGrp="1"/>
+          </p:cNvSpPr>
+          <p:nvPr>
+            <p:ph idx="1"/>
+          </p:nvPr>
+        </p:nvSpPr>
+        <p:spPr>
+          <a:xfrm>
+            <a:off x="838200" y="1825625"/>
+            <a:ext cx="4554894" cy="4351338"/>
+          </a:xfrm>
+        </p:spPr>
+        <p:txBody>
+          <a:bodyPr/>
+          <a:lstStyle/>
+          <a:p>
+            <a:r>
+              <a:rPr lang="en-US" dirty="0"/>
+              <a:t>Start by plot deviation from mean in 2d space with bubble () </a:t>
+            </a:r>
+          </a:p>
+        </p:txBody>
+      </p:sp>
+      <p:pic>
+        <p:nvPicPr>
+          <p:cNvPr id="4" name="Picture 3">
+            <a:extLst>
+              <a:ext uri="{FF2B5EF4-FFF2-40B4-BE49-F238E27FC236}">
+                <a16:creationId xmlns:a16="http://schemas.microsoft.com/office/drawing/2014/main" id="{E12B69C0-367E-4B2C-9558-631208CC56A1}"/>
+              </a:ext>
+            </a:extLst>
+          </p:cNvPr>
+          <p:cNvPicPr>
+            <a:picLocks noChangeAspect="1"/>
+          </p:cNvPicPr>
+          <p:nvPr/>
+        </p:nvPicPr>
+        <p:blipFill>
+          <a:blip r:embed="rId2"/>
+          <a:stretch>
+            <a:fillRect/>
+          </a:stretch>
+        </p:blipFill>
+        <p:spPr>
+          <a:xfrm>
+            <a:off x="5542384" y="1825625"/>
+            <a:ext cx="5962713" cy="956159"/>
+          </a:xfrm>
+          <a:prstGeom prst="rect">
+            <a:avLst/>
+          </a:prstGeom>
+        </p:spPr>
+      </p:pic>
+      <p:pic>
+        <p:nvPicPr>
+          <p:cNvPr id="5" name="Picture 4">
+            <a:extLst>
+              <a:ext uri="{FF2B5EF4-FFF2-40B4-BE49-F238E27FC236}">
+                <a16:creationId xmlns:a16="http://schemas.microsoft.com/office/drawing/2014/main" id="{7D32CEF6-AB5D-46B1-94D9-9DEA9F9581B3}"/>
+              </a:ext>
+            </a:extLst>
+          </p:cNvPr>
+          <p:cNvPicPr>
+            <a:picLocks noChangeAspect="1"/>
+          </p:cNvPicPr>
+          <p:nvPr/>
+        </p:nvPicPr>
+        <p:blipFill>
+          <a:blip r:embed="rId3"/>
+          <a:stretch>
+            <a:fillRect/>
+          </a:stretch>
+        </p:blipFill>
+        <p:spPr>
+          <a:xfrm>
+            <a:off x="6483082" y="2781784"/>
+            <a:ext cx="5022015" cy="2911092"/>
+          </a:xfrm>
+          <a:prstGeom prst="rect">
+            <a:avLst/>
+          </a:prstGeom>
+        </p:spPr>
+      </p:pic>
+    </p:spTree>
+    <p:extLst>
+      <p:ext uri="{BB962C8B-B14F-4D97-AF65-F5344CB8AC3E}">
+        <p14:creationId xmlns:p14="http://schemas.microsoft.com/office/powerpoint/2010/main" val="4017257753"/>
       </p:ext>
     </p:extLst>
   </p:cSld>
